--- a/2.2 Data Structures - Control.pptx
+++ b/2.2 Data Structures - Control.pptx
@@ -142,6 +142,10 @@
 </p:presentation>
 </file>
 
+<file path=ppt/revisionInfo.xml><?xml version="1.0" encoding="utf-8"?>
+<p1510:revInfo xmlns:a="http://schemas.openxmlformats.org/drawingml/2006/main" xmlns:r="http://schemas.openxmlformats.org/officeDocument/2006/relationships" xmlns:p1510="http://schemas.microsoft.com/office/powerpoint/2015/10/main"/>
+</file>
+
 <file path=ppt/notesMasters/notesMaster1.xml><?xml version="1.0" encoding="utf-8"?>
 <p:notesMaster xmlns:a="http://schemas.openxmlformats.org/drawingml/2006/main" xmlns:r="http://schemas.openxmlformats.org/officeDocument/2006/relationships" xmlns:p="http://schemas.openxmlformats.org/presentationml/2006/main">
   <p:cSld>
@@ -224,7 +228,7 @@
           <a:p>
             <a:fld id="{245D6BBE-FF37-4515-B796-D30B23A0C718}" type="datetimeFigureOut">
               <a:rPr lang="ru-RU" smtClean="0"/>
-              <a:t>11.11.2016</a:t>
+              <a:t>16.10.2017</a:t>
             </a:fld>
             <a:endParaRPr lang="ru-RU"/>
           </a:p>
@@ -620,7 +624,7 @@
           <a:p>
             <a:fld id="{7CD9CFFE-9B8E-4E6F-9C50-BF6CD17BA4CD}" type="datetimeFigureOut">
               <a:rPr lang="ru-RU" smtClean="0"/>
-              <a:t>11.11.2016</a:t>
+              <a:t>16.10.2017</a:t>
             </a:fld>
             <a:endParaRPr lang="ru-RU"/>
           </a:p>
@@ -788,7 +792,7 @@
           <a:p>
             <a:fld id="{7CD9CFFE-9B8E-4E6F-9C50-BF6CD17BA4CD}" type="datetimeFigureOut">
               <a:rPr lang="ru-RU" smtClean="0"/>
-              <a:t>11.11.2016</a:t>
+              <a:t>16.10.2017</a:t>
             </a:fld>
             <a:endParaRPr lang="ru-RU"/>
           </a:p>
@@ -966,7 +970,7 @@
           <a:p>
             <a:fld id="{7CD9CFFE-9B8E-4E6F-9C50-BF6CD17BA4CD}" type="datetimeFigureOut">
               <a:rPr lang="ru-RU" smtClean="0"/>
-              <a:t>11.11.2016</a:t>
+              <a:t>16.10.2017</a:t>
             </a:fld>
             <a:endParaRPr lang="ru-RU"/>
           </a:p>
@@ -1134,7 +1138,7 @@
           <a:p>
             <a:fld id="{7CD9CFFE-9B8E-4E6F-9C50-BF6CD17BA4CD}" type="datetimeFigureOut">
               <a:rPr lang="ru-RU" smtClean="0"/>
-              <a:t>11.11.2016</a:t>
+              <a:t>16.10.2017</a:t>
             </a:fld>
             <a:endParaRPr lang="ru-RU"/>
           </a:p>
@@ -1379,7 +1383,7 @@
           <a:p>
             <a:fld id="{7CD9CFFE-9B8E-4E6F-9C50-BF6CD17BA4CD}" type="datetimeFigureOut">
               <a:rPr lang="ru-RU" smtClean="0"/>
-              <a:t>11.11.2016</a:t>
+              <a:t>16.10.2017</a:t>
             </a:fld>
             <a:endParaRPr lang="ru-RU"/>
           </a:p>
@@ -1608,7 +1612,7 @@
           <a:p>
             <a:fld id="{7CD9CFFE-9B8E-4E6F-9C50-BF6CD17BA4CD}" type="datetimeFigureOut">
               <a:rPr lang="ru-RU" smtClean="0"/>
-              <a:t>11.11.2016</a:t>
+              <a:t>16.10.2017</a:t>
             </a:fld>
             <a:endParaRPr lang="ru-RU"/>
           </a:p>
@@ -1972,7 +1976,7 @@
           <a:p>
             <a:fld id="{7CD9CFFE-9B8E-4E6F-9C50-BF6CD17BA4CD}" type="datetimeFigureOut">
               <a:rPr lang="ru-RU" smtClean="0"/>
-              <a:t>11.11.2016</a:t>
+              <a:t>16.10.2017</a:t>
             </a:fld>
             <a:endParaRPr lang="ru-RU"/>
           </a:p>
@@ -2089,7 +2093,7 @@
           <a:p>
             <a:fld id="{7CD9CFFE-9B8E-4E6F-9C50-BF6CD17BA4CD}" type="datetimeFigureOut">
               <a:rPr lang="ru-RU" smtClean="0"/>
-              <a:t>11.11.2016</a:t>
+              <a:t>16.10.2017</a:t>
             </a:fld>
             <a:endParaRPr lang="ru-RU"/>
           </a:p>
@@ -2184,7 +2188,7 @@
           <a:p>
             <a:fld id="{7CD9CFFE-9B8E-4E6F-9C50-BF6CD17BA4CD}" type="datetimeFigureOut">
               <a:rPr lang="ru-RU" smtClean="0"/>
-              <a:t>11.11.2016</a:t>
+              <a:t>16.10.2017</a:t>
             </a:fld>
             <a:endParaRPr lang="ru-RU"/>
           </a:p>
@@ -2459,7 +2463,7 @@
           <a:p>
             <a:fld id="{7CD9CFFE-9B8E-4E6F-9C50-BF6CD17BA4CD}" type="datetimeFigureOut">
               <a:rPr lang="ru-RU" smtClean="0"/>
-              <a:t>11.11.2016</a:t>
+              <a:t>16.10.2017</a:t>
             </a:fld>
             <a:endParaRPr lang="ru-RU"/>
           </a:p>
@@ -2711,7 +2715,7 @@
           <a:p>
             <a:fld id="{7CD9CFFE-9B8E-4E6F-9C50-BF6CD17BA4CD}" type="datetimeFigureOut">
               <a:rPr lang="ru-RU" smtClean="0"/>
-              <a:t>11.11.2016</a:t>
+              <a:t>16.10.2017</a:t>
             </a:fld>
             <a:endParaRPr lang="ru-RU"/>
           </a:p>
@@ -2922,7 +2926,7 @@
           <a:p>
             <a:fld id="{7CD9CFFE-9B8E-4E6F-9C50-BF6CD17BA4CD}" type="datetimeFigureOut">
               <a:rPr lang="ru-RU" smtClean="0"/>
-              <a:t>11.11.2016</a:t>
+              <a:t>16.10.2017</a:t>
             </a:fld>
             <a:endParaRPr lang="ru-RU"/>
           </a:p>
@@ -4564,7 +4568,6 @@
               <a:rPr lang="ru-RU" dirty="0"/>
               <a:t>Векторизованная арифметика</a:t>
             </a:r>
-            <a:endParaRPr lang="ru-RU" dirty="0"/>
           </a:p>
         </p:txBody>
       </p:sp>
@@ -4679,8 +4682,12 @@
               <a:rPr lang="ru-RU" dirty="0"/>
             </a:br>
             <a:r>
+              <a:rPr lang="ru-RU"/>
+              <a:t>для чисел, векторов</a:t>
+            </a:r>
+            <a:r>
               <a:rPr lang="ru-RU" dirty="0"/>
-              <a:t>для чисел ,векторов, матриц.</a:t>
+              <a:t>, матриц.</a:t>
             </a:r>
           </a:p>
           <a:p>
@@ -4798,15 +4805,7 @@
           <a:p>
             <a:r>
               <a:rPr lang="ru-RU" dirty="0"/>
-              <a:t>Многие функции </a:t>
-            </a:r>
-            <a:r>
-              <a:rPr lang="ru-RU" dirty="0"/>
-              <a:t>по умолчанию </a:t>
-            </a:r>
-            <a:r>
-              <a:rPr lang="ru-RU" dirty="0"/>
-              <a:t>работают с векторами.</a:t>
+              <a:t>Многие функции по умолчанию работают с векторами.</a:t>
             </a:r>
             <a:br>
               <a:rPr lang="ru-RU" dirty="0"/>
@@ -5014,11 +5013,7 @@
             </a:r>
             <a:r>
               <a:rPr lang="en-US" dirty="0"/>
-              <a:t>: </a:t>
-            </a:r>
-            <a:r>
-              <a:rPr lang="en-US" dirty="0"/>
-              <a:t>for, while, repeat</a:t>
+              <a:t>: for, while, repeat</a:t>
             </a:r>
           </a:p>
           <a:p>
